--- a/Apresentação Projeto Odonto.pptx
+++ b/Apresentação Projeto Odonto.pptx
@@ -253,7 +253,7 @@
   </p:defaultTextStyle>
   <p:extLst>
     <p:ext uri="{EFAFB233-063F-42B5-8137-9DF3F51BA10A}">
-      <p15:sldGuideLst xmlns:p15="http://schemas.microsoft.com/office/powerpoint/2012/main" xmlns="">
+      <p15:sldGuideLst xmlns="" xmlns:p15="http://schemas.microsoft.com/office/powerpoint/2012/main">
         <p15:guide id="1" orient="horz" pos="2160">
           <p15:clr>
             <a:srgbClr val="A4A3A4"/>
@@ -2854,8 +2854,8 @@
         </p:nvSpPr>
         <p:spPr>
           <a:xfrm>
-            <a:off x="1808226" y="2949263"/>
-            <a:ext cx="8056991" cy="1106444"/>
+            <a:off x="1996908" y="4719971"/>
+            <a:ext cx="8056991" cy="722886"/>
           </a:xfrm>
           <a:prstGeom prst="rect">
             <a:avLst/>
@@ -2904,6 +2904,36 @@
           </a:p>
         </p:txBody>
       </p:sp>
+      <p:pic>
+        <p:nvPicPr>
+          <p:cNvPr id="2" name="Imagem 1"/>
+          <p:cNvPicPr>
+            <a:picLocks noChangeAspect="1"/>
+          </p:cNvPicPr>
+          <p:nvPr/>
+        </p:nvPicPr>
+        <p:blipFill>
+          <a:blip r:embed="rId3">
+            <a:extLst>
+              <a:ext uri="{28A0092B-C50C-407E-A947-70E740481C1C}">
+                <a14:useLocalDpi xmlns:a14="http://schemas.microsoft.com/office/drawing/2010/main" val="0"/>
+              </a:ext>
+            </a:extLst>
+          </a:blip>
+          <a:stretch>
+            <a:fillRect/>
+          </a:stretch>
+        </p:blipFill>
+        <p:spPr>
+          <a:xfrm>
+            <a:off x="3458792" y="2179422"/>
+            <a:ext cx="5133222" cy="2487732"/>
+          </a:xfrm>
+          <a:prstGeom prst="rect">
+            <a:avLst/>
+          </a:prstGeom>
+        </p:spPr>
+      </p:pic>
     </p:spTree>
     <p:extLst>
       <p:ext uri="{BB962C8B-B14F-4D97-AF65-F5344CB8AC3E}">
@@ -3240,7 +3270,7 @@
           <p:cNvPr id="2058" name="Picture 10" descr="Resultado de imagem para emotes lol png&quot;">
             <a:extLst>
               <a:ext uri="{FF2B5EF4-FFF2-40B4-BE49-F238E27FC236}">
-                <a16:creationId xmlns:a16="http://schemas.microsoft.com/office/drawing/2014/main" xmlns="" id="{8A3D6FE6-F24B-4CB9-A68B-2B279376FEFC}"/>
+                <a16:creationId xmlns="" xmlns:a16="http://schemas.microsoft.com/office/drawing/2014/main" id="{8A3D6FE6-F24B-4CB9-A68B-2B279376FEFC}"/>
               </a:ext>
             </a:extLst>
           </p:cNvPr>
@@ -3287,7 +3317,7 @@
           <p:cNvPr id="2062" name="Picture 14" descr="Ver a imagem de origem">
             <a:extLst>
               <a:ext uri="{FF2B5EF4-FFF2-40B4-BE49-F238E27FC236}">
-                <a16:creationId xmlns:a16="http://schemas.microsoft.com/office/drawing/2014/main" xmlns="" id="{8E247D57-469D-4523-9144-6287F579BE77}"/>
+                <a16:creationId xmlns="" xmlns:a16="http://schemas.microsoft.com/office/drawing/2014/main" id="{8E247D57-469D-4523-9144-6287F579BE77}"/>
               </a:ext>
             </a:extLst>
           </p:cNvPr>
@@ -3334,7 +3364,7 @@
           <p:cNvPr id="2064" name="Picture 16" descr="Ver a imagem de origem">
             <a:extLst>
               <a:ext uri="{FF2B5EF4-FFF2-40B4-BE49-F238E27FC236}">
-                <a16:creationId xmlns:a16="http://schemas.microsoft.com/office/drawing/2014/main" xmlns="" id="{3257DB41-6900-4C37-8AF8-24BAA72A1A18}"/>
+                <a16:creationId xmlns="" xmlns:a16="http://schemas.microsoft.com/office/drawing/2014/main" id="{3257DB41-6900-4C37-8AF8-24BAA72A1A18}"/>
               </a:ext>
             </a:extLst>
           </p:cNvPr>
@@ -3381,7 +3411,7 @@
           <p:cNvPr id="2066" name="Picture 18" descr="Ver a imagem de origem">
             <a:extLst>
               <a:ext uri="{FF2B5EF4-FFF2-40B4-BE49-F238E27FC236}">
-                <a16:creationId xmlns:a16="http://schemas.microsoft.com/office/drawing/2014/main" xmlns="" id="{65E8DFA1-D04E-454E-9E10-F30C1662B202}"/>
+                <a16:creationId xmlns="" xmlns:a16="http://schemas.microsoft.com/office/drawing/2014/main" id="{65E8DFA1-D04E-454E-9E10-F30C1662B202}"/>
               </a:ext>
             </a:extLst>
           </p:cNvPr>
@@ -3428,7 +3458,7 @@
           <p:cNvPr id="2068" name="Picture 20" descr="Ver a imagem de origem">
             <a:extLst>
               <a:ext uri="{FF2B5EF4-FFF2-40B4-BE49-F238E27FC236}">
-                <a16:creationId xmlns:a16="http://schemas.microsoft.com/office/drawing/2014/main" xmlns="" id="{C0F5CE3D-99D2-4188-B28C-B433F9333DD1}"/>
+                <a16:creationId xmlns="" xmlns:a16="http://schemas.microsoft.com/office/drawing/2014/main" id="{C0F5CE3D-99D2-4188-B28C-B433F9333DD1}"/>
               </a:ext>
             </a:extLst>
           </p:cNvPr>
@@ -3475,7 +3505,7 @@
           <p:cNvPr id="2070" name="Picture 22" descr="Ver a imagem de origem">
             <a:extLst>
               <a:ext uri="{FF2B5EF4-FFF2-40B4-BE49-F238E27FC236}">
-                <a16:creationId xmlns:a16="http://schemas.microsoft.com/office/drawing/2014/main" xmlns="" id="{D1DF2925-B932-4B66-AD61-15FDBB98D77D}"/>
+                <a16:creationId xmlns="" xmlns:a16="http://schemas.microsoft.com/office/drawing/2014/main" id="{D1DF2925-B932-4B66-AD61-15FDBB98D77D}"/>
               </a:ext>
             </a:extLst>
           </p:cNvPr>
@@ -4133,7 +4163,7 @@
               <a:buNone/>
             </a:pPr>
             <a:r>
-              <a:rPr lang="pt-BR" sz="2000">
+              <a:rPr lang="pt-BR" sz="2000" dirty="0">
                 <a:solidFill>
                   <a:schemeClr val="lt1"/>
                 </a:solidFill>
@@ -4144,7 +4174,7 @@
               </a:rPr>
               <a:t>Professor Orientador:</a:t>
             </a:r>
-            <a:endParaRPr sz="2000">
+            <a:endParaRPr sz="2000" dirty="0">
               <a:solidFill>
                 <a:schemeClr val="lt1"/>
               </a:solidFill>
@@ -4164,7 +4194,7 @@
               </a:spcAft>
               <a:buNone/>
             </a:pPr>
-            <a:endParaRPr sz="2000">
+            <a:endParaRPr sz="2000" dirty="0">
               <a:solidFill>
                 <a:schemeClr val="lt1"/>
               </a:solidFill>
@@ -4190,7 +4220,7 @@
               <a:buChar char="●"/>
             </a:pPr>
             <a:r>
-              <a:rPr lang="pt-BR" sz="2000">
+              <a:rPr lang="pt-BR" sz="2000" dirty="0">
                 <a:solidFill>
                   <a:schemeClr val="lt1"/>
                 </a:solidFill>
@@ -4199,9 +4229,49 @@
                 <a:cs typeface="Rockwell"/>
                 <a:sym typeface="Rockwell"/>
               </a:rPr>
-              <a:t>Prof. André Neves</a:t>
+              <a:t>Prof. André </a:t>
             </a:r>
-            <a:endParaRPr sz="2000">
+            <a:r>
+              <a:rPr lang="pt-BR" sz="2000" dirty="0" smtClean="0">
+                <a:solidFill>
+                  <a:schemeClr val="lt1"/>
+                </a:solidFill>
+                <a:latin typeface="Rockwell"/>
+                <a:ea typeface="Rockwell"/>
+                <a:cs typeface="Rockwell"/>
+                <a:sym typeface="Rockwell"/>
+              </a:rPr>
+              <a:t>Neves</a:t>
+            </a:r>
+          </a:p>
+          <a:p>
+            <a:pPr marL="457200" marR="0" lvl="0" indent="-355600" algn="l" rtl="0">
+              <a:spcBef>
+                <a:spcPts val="0"/>
+              </a:spcBef>
+              <a:spcAft>
+                <a:spcPts val="0"/>
+              </a:spcAft>
+              <a:buClr>
+                <a:schemeClr val="lt1"/>
+              </a:buClr>
+              <a:buSzPts val="2000"/>
+              <a:buFont typeface="Rockwell"/>
+              <a:buChar char="●"/>
+            </a:pPr>
+            <a:r>
+              <a:rPr lang="pt-BR" sz="2000" dirty="0" smtClean="0">
+                <a:solidFill>
+                  <a:schemeClr val="lt1"/>
+                </a:solidFill>
+                <a:latin typeface="Rockwell"/>
+                <a:ea typeface="Rockwell"/>
+                <a:cs typeface="Rockwell"/>
+                <a:sym typeface="Rockwell"/>
+              </a:rPr>
+              <a:t>Prof. Adriana Carvalho</a:t>
+            </a:r>
+            <a:endParaRPr sz="2000" dirty="0">
               <a:solidFill>
                 <a:schemeClr val="lt1"/>
               </a:solidFill>
@@ -4248,7 +4318,7 @@
               <a:buNone/>
             </a:pPr>
             <a:r>
-              <a:rPr lang="pt-BR" sz="2000">
+              <a:rPr lang="pt-BR" sz="2000" dirty="0">
                 <a:solidFill>
                   <a:schemeClr val="lt1"/>
                 </a:solidFill>
@@ -4259,7 +4329,7 @@
               </a:rPr>
               <a:t>Professores Membros da Banca:</a:t>
             </a:r>
-            <a:endParaRPr sz="2000">
+            <a:endParaRPr sz="2000" dirty="0">
               <a:solidFill>
                 <a:schemeClr val="lt1"/>
               </a:solidFill>
@@ -4279,7 +4349,7 @@
         </p:nvSpPr>
         <p:spPr>
           <a:xfrm>
-            <a:off x="807280" y="4361675"/>
+            <a:off x="778252" y="4231049"/>
             <a:ext cx="5405700" cy="1631100"/>
           </a:xfrm>
           <a:prstGeom prst="rect">
@@ -4311,7 +4381,7 @@
               <a:buChar char="●"/>
             </a:pPr>
             <a:r>
-              <a:rPr lang="pt-BR" sz="2000">
+              <a:rPr lang="pt-BR" sz="2000" dirty="0">
                 <a:solidFill>
                   <a:schemeClr val="lt1"/>
                 </a:solidFill>
@@ -4322,7 +4392,7 @@
               </a:rPr>
               <a:t>Prof. Ana Carla</a:t>
             </a:r>
-            <a:endParaRPr sz="2000">
+            <a:endParaRPr sz="2000" dirty="0">
               <a:solidFill>
                 <a:schemeClr val="lt1"/>
               </a:solidFill>
@@ -4348,7 +4418,7 @@
               <a:buChar char="●"/>
             </a:pPr>
             <a:r>
-              <a:rPr lang="pt-BR" sz="2000">
+              <a:rPr lang="pt-BR" sz="2000" dirty="0">
                 <a:solidFill>
                   <a:schemeClr val="lt1"/>
                 </a:solidFill>
@@ -4357,9 +4427,21 @@
                 <a:cs typeface="Rockwell"/>
                 <a:sym typeface="Rockwell"/>
               </a:rPr>
-              <a:t>Prof. Luana Fernandes</a:t>
+              <a:t>Prof. Luana </a:t>
             </a:r>
-            <a:endParaRPr sz="2000">
+            <a:r>
+              <a:rPr lang="pt-BR" sz="2000" dirty="0" smtClean="0">
+                <a:solidFill>
+                  <a:schemeClr val="lt1"/>
+                </a:solidFill>
+                <a:latin typeface="Rockwell"/>
+                <a:ea typeface="Rockwell"/>
+                <a:cs typeface="Rockwell"/>
+                <a:sym typeface="Rockwell"/>
+              </a:rPr>
+              <a:t>Fernandes</a:t>
+            </a:r>
+            <a:endParaRPr sz="2000" dirty="0">
               <a:solidFill>
                 <a:schemeClr val="lt1"/>
               </a:solidFill>
@@ -4385,7 +4467,7 @@
               <a:buChar char="●"/>
             </a:pPr>
             <a:r>
-              <a:rPr lang="pt-BR" sz="2000">
+              <a:rPr lang="pt-BR" sz="2000" dirty="0">
                 <a:solidFill>
                   <a:schemeClr val="lt1"/>
                 </a:solidFill>
@@ -4396,7 +4478,7 @@
               </a:rPr>
               <a:t>Prof. Sandro Barbosa</a:t>
             </a:r>
-            <a:endParaRPr sz="2000">
+            <a:endParaRPr sz="2000" dirty="0">
               <a:solidFill>
                 <a:schemeClr val="lt1"/>
               </a:solidFill>
@@ -5383,19 +5465,7 @@
                 <a:cs typeface="Rockwell"/>
                 <a:sym typeface="Rockwell"/>
               </a:rPr>
-              <a:t>Controle e </a:t>
-            </a:r>
-            <a:r>
-              <a:rPr lang="pt-BR" sz="2400" dirty="0">
-                <a:solidFill>
-                  <a:schemeClr val="lt1"/>
-                </a:solidFill>
-                <a:latin typeface="Rockwell"/>
-                <a:ea typeface="Rockwell"/>
-                <a:cs typeface="Rockwell"/>
-                <a:sym typeface="Rockwell"/>
-              </a:rPr>
-              <a:t>o</a:t>
+              <a:t>Controle e o</a:t>
             </a:r>
             <a:r>
               <a:rPr lang="pt-BR" sz="2400" dirty="0" smtClean="0">
@@ -6046,7 +6116,7 @@
           <p:cNvPr id="7" name="Imagem 6" descr="Uma imagem contendo desenho, placar&#10;&#10;Descrição gerada automaticamente">
             <a:extLst>
               <a:ext uri="{FF2B5EF4-FFF2-40B4-BE49-F238E27FC236}">
-                <a16:creationId xmlns:a16="http://schemas.microsoft.com/office/drawing/2014/main" xmlns="" id="{5462C146-4B88-4A35-AA63-9E9A28866F15}"/>
+                <a16:creationId xmlns="" xmlns:a16="http://schemas.microsoft.com/office/drawing/2014/main" id="{5462C146-4B88-4A35-AA63-9E9A28866F15}"/>
               </a:ext>
             </a:extLst>
           </p:cNvPr>
@@ -6076,7 +6146,7 @@
           <p:cNvPr id="9" name="Imagem 8" descr="Uma imagem contendo desenho, placar&#10;&#10;Descrição gerada automaticamente">
             <a:extLst>
               <a:ext uri="{FF2B5EF4-FFF2-40B4-BE49-F238E27FC236}">
-                <a16:creationId xmlns:a16="http://schemas.microsoft.com/office/drawing/2014/main" xmlns="" id="{383672B7-0D5A-4F7C-8549-811C734F2BDA}"/>
+                <a16:creationId xmlns="" xmlns:a16="http://schemas.microsoft.com/office/drawing/2014/main" id="{383672B7-0D5A-4F7C-8549-811C734F2BDA}"/>
               </a:ext>
             </a:extLst>
           </p:cNvPr>
@@ -6106,7 +6176,7 @@
           <p:cNvPr id="11" name="Imagem 10" descr="Fundo preto com letras brancas&#10;&#10;Descrição gerada automaticamente">
             <a:extLst>
               <a:ext uri="{FF2B5EF4-FFF2-40B4-BE49-F238E27FC236}">
-                <a16:creationId xmlns:a16="http://schemas.microsoft.com/office/drawing/2014/main" xmlns="" id="{B422F4E8-4A25-4182-829E-F5396E3EFDA3}"/>
+                <a16:creationId xmlns="" xmlns:a16="http://schemas.microsoft.com/office/drawing/2014/main" id="{B422F4E8-4A25-4182-829E-F5396E3EFDA3}"/>
               </a:ext>
             </a:extLst>
           </p:cNvPr>
@@ -6136,7 +6206,7 @@
           <p:cNvPr id="13" name="Imagem 12">
             <a:extLst>
               <a:ext uri="{FF2B5EF4-FFF2-40B4-BE49-F238E27FC236}">
-                <a16:creationId xmlns:a16="http://schemas.microsoft.com/office/drawing/2014/main" xmlns="" id="{9F3864E0-D932-4C8C-BFBC-3FDBFAA17093}"/>
+                <a16:creationId xmlns="" xmlns:a16="http://schemas.microsoft.com/office/drawing/2014/main" id="{9F3864E0-D932-4C8C-BFBC-3FDBFAA17093}"/>
               </a:ext>
             </a:extLst>
           </p:cNvPr>
@@ -6166,7 +6236,7 @@
           <p:cNvPr id="15" name="Imagem 14" descr="Uma imagem contendo placar&#10;&#10;Descrição gerada automaticamente">
             <a:extLst>
               <a:ext uri="{FF2B5EF4-FFF2-40B4-BE49-F238E27FC236}">
-                <a16:creationId xmlns:a16="http://schemas.microsoft.com/office/drawing/2014/main" xmlns="" id="{9C738B4A-FCC1-4689-82C9-90FD65A5A8C0}"/>
+                <a16:creationId xmlns="" xmlns:a16="http://schemas.microsoft.com/office/drawing/2014/main" id="{9C738B4A-FCC1-4689-82C9-90FD65A5A8C0}"/>
               </a:ext>
             </a:extLst>
           </p:cNvPr>
@@ -6196,7 +6266,7 @@
           <p:cNvPr id="17" name="Imagem 16" descr="Uma imagem contendo relógio, desenho&#10;&#10;Descrição gerada automaticamente">
             <a:extLst>
               <a:ext uri="{FF2B5EF4-FFF2-40B4-BE49-F238E27FC236}">
-                <a16:creationId xmlns:a16="http://schemas.microsoft.com/office/drawing/2014/main" xmlns="" id="{E1BECF13-2A24-4B55-922A-9558B07B000B}"/>
+                <a16:creationId xmlns="" xmlns:a16="http://schemas.microsoft.com/office/drawing/2014/main" id="{E1BECF13-2A24-4B55-922A-9558B07B000B}"/>
               </a:ext>
             </a:extLst>
           </p:cNvPr>
@@ -6226,7 +6296,7 @@
           <p:cNvPr id="21" name="Imagem 20" descr="Uma imagem contendo comida&#10;&#10;Descrição gerada automaticamente">
             <a:extLst>
               <a:ext uri="{FF2B5EF4-FFF2-40B4-BE49-F238E27FC236}">
-                <a16:creationId xmlns:a16="http://schemas.microsoft.com/office/drawing/2014/main" xmlns="" id="{0A8A2A9C-BF66-4A7D-9646-729355A67F26}"/>
+                <a16:creationId xmlns="" xmlns:a16="http://schemas.microsoft.com/office/drawing/2014/main" id="{0A8A2A9C-BF66-4A7D-9646-729355A67F26}"/>
               </a:ext>
             </a:extLst>
           </p:cNvPr>

--- a/Apresentação Projeto Odonto.pptx
+++ b/Apresentação Projeto Odonto.pptx
@@ -253,7 +253,7 @@
   </p:defaultTextStyle>
   <p:extLst>
     <p:ext uri="{EFAFB233-063F-42B5-8137-9DF3F51BA10A}">
-      <p15:sldGuideLst xmlns="" xmlns:p15="http://schemas.microsoft.com/office/powerpoint/2012/main">
+      <p15:sldGuideLst xmlns:p15="http://schemas.microsoft.com/office/powerpoint/2012/main" xmlns="">
         <p15:guide id="1" orient="horz" pos="2160">
           <p15:clr>
             <a:srgbClr val="A4A3A4"/>
@@ -3267,10 +3267,10 @@
       </p:sp>
       <p:pic>
         <p:nvPicPr>
-          <p:cNvPr id="2058" name="Picture 10" descr="Resultado de imagem para emotes lol png&quot;">
+          <p:cNvPr id="2062" name="Picture 14" descr="Ver a imagem de origem">
             <a:extLst>
               <a:ext uri="{FF2B5EF4-FFF2-40B4-BE49-F238E27FC236}">
-                <a16:creationId xmlns="" xmlns:a16="http://schemas.microsoft.com/office/drawing/2014/main" id="{8A3D6FE6-F24B-4CB9-A68B-2B279376FEFC}"/>
+                <a16:creationId xmlns:a16="http://schemas.microsoft.com/office/drawing/2014/main" xmlns="" id="{8E247D57-469D-4523-9144-6287F579BE77}"/>
               </a:ext>
             </a:extLst>
           </p:cNvPr>
@@ -3294,8 +3294,8 @@
         </p:blipFill>
         <p:spPr bwMode="auto">
           <a:xfrm>
-            <a:off x="10041510" y="5420719"/>
-            <a:ext cx="1330882" cy="1330882"/>
+            <a:off x="5026856" y="5420718"/>
+            <a:ext cx="1334575" cy="1334575"/>
           </a:xfrm>
           <a:prstGeom prst="rect">
             <a:avLst/>
@@ -3314,10 +3314,10 @@
       </p:pic>
       <p:pic>
         <p:nvPicPr>
-          <p:cNvPr id="2062" name="Picture 14" descr="Ver a imagem de origem">
+          <p:cNvPr id="2064" name="Picture 16" descr="Ver a imagem de origem">
             <a:extLst>
               <a:ext uri="{FF2B5EF4-FFF2-40B4-BE49-F238E27FC236}">
-                <a16:creationId xmlns="" xmlns:a16="http://schemas.microsoft.com/office/drawing/2014/main" id="{8E247D57-469D-4523-9144-6287F579BE77}"/>
+                <a16:creationId xmlns:a16="http://schemas.microsoft.com/office/drawing/2014/main" xmlns="" id="{3257DB41-6900-4C37-8AF8-24BAA72A1A18}"/>
               </a:ext>
             </a:extLst>
           </p:cNvPr>
@@ -3341,8 +3341,8 @@
         </p:blipFill>
         <p:spPr bwMode="auto">
           <a:xfrm>
-            <a:off x="4533380" y="5420718"/>
-            <a:ext cx="1334575" cy="1334575"/>
+            <a:off x="6911096" y="5404180"/>
+            <a:ext cx="1399824" cy="1399824"/>
           </a:xfrm>
           <a:prstGeom prst="rect">
             <a:avLst/>
@@ -3361,10 +3361,10 @@
       </p:pic>
       <p:pic>
         <p:nvPicPr>
-          <p:cNvPr id="2064" name="Picture 16" descr="Ver a imagem de origem">
+          <p:cNvPr id="2066" name="Picture 18" descr="Ver a imagem de origem">
             <a:extLst>
               <a:ext uri="{FF2B5EF4-FFF2-40B4-BE49-F238E27FC236}">
-                <a16:creationId xmlns="" xmlns:a16="http://schemas.microsoft.com/office/drawing/2014/main" id="{3257DB41-6900-4C37-8AF8-24BAA72A1A18}"/>
+                <a16:creationId xmlns:a16="http://schemas.microsoft.com/office/drawing/2014/main" xmlns="" id="{65E8DFA1-D04E-454E-9E10-F30C1662B202}"/>
               </a:ext>
             </a:extLst>
           </p:cNvPr>
@@ -3388,8 +3388,8 @@
         </p:blipFill>
         <p:spPr bwMode="auto">
           <a:xfrm>
-            <a:off x="6112826" y="5404180"/>
-            <a:ext cx="1399824" cy="1399824"/>
+            <a:off x="1024157" y="5341586"/>
+            <a:ext cx="1374969" cy="1374969"/>
           </a:xfrm>
           <a:prstGeom prst="rect">
             <a:avLst/>
@@ -3408,10 +3408,10 @@
       </p:pic>
       <p:pic>
         <p:nvPicPr>
-          <p:cNvPr id="2066" name="Picture 18" descr="Ver a imagem de origem">
+          <p:cNvPr id="2068" name="Picture 20" descr="Ver a imagem de origem">
             <a:extLst>
               <a:ext uri="{FF2B5EF4-FFF2-40B4-BE49-F238E27FC236}">
-                <a16:creationId xmlns="" xmlns:a16="http://schemas.microsoft.com/office/drawing/2014/main" id="{65E8DFA1-D04E-454E-9E10-F30C1662B202}"/>
+                <a16:creationId xmlns:a16="http://schemas.microsoft.com/office/drawing/2014/main" xmlns="" id="{C0F5CE3D-99D2-4188-B28C-B433F9333DD1}"/>
               </a:ext>
             </a:extLst>
           </p:cNvPr>
@@ -3435,8 +3435,8 @@
         </p:blipFill>
         <p:spPr bwMode="auto">
           <a:xfrm>
-            <a:off x="704849" y="5341586"/>
-            <a:ext cx="1374969" cy="1374969"/>
+            <a:off x="3132114" y="5401476"/>
+            <a:ext cx="1329267" cy="1329267"/>
           </a:xfrm>
           <a:prstGeom prst="rect">
             <a:avLst/>
@@ -3455,10 +3455,10 @@
       </p:pic>
       <p:pic>
         <p:nvPicPr>
-          <p:cNvPr id="2068" name="Picture 20" descr="Ver a imagem de origem">
+          <p:cNvPr id="2070" name="Picture 22" descr="Ver a imagem de origem">
             <a:extLst>
               <a:ext uri="{FF2B5EF4-FFF2-40B4-BE49-F238E27FC236}">
-                <a16:creationId xmlns="" xmlns:a16="http://schemas.microsoft.com/office/drawing/2014/main" id="{C0F5CE3D-99D2-4188-B28C-B433F9333DD1}"/>
+                <a16:creationId xmlns:a16="http://schemas.microsoft.com/office/drawing/2014/main" xmlns="" id="{D1DF2925-B932-4B66-AD61-15FDBB98D77D}"/>
               </a:ext>
             </a:extLst>
           </p:cNvPr>
@@ -3482,8 +3482,8 @@
         </p:blipFill>
         <p:spPr bwMode="auto">
           <a:xfrm>
-            <a:off x="2696694" y="5401476"/>
-            <a:ext cx="1329267" cy="1329267"/>
+            <a:off x="8958146" y="5298044"/>
+            <a:ext cx="1480817" cy="1480817"/>
           </a:xfrm>
           <a:prstGeom prst="rect">
             <a:avLst/>
@@ -3502,55 +3502,8 @@
       </p:pic>
       <p:pic>
         <p:nvPicPr>
-          <p:cNvPr id="2070" name="Picture 22" descr="Ver a imagem de origem">
-            <a:extLst>
-              <a:ext uri="{FF2B5EF4-FFF2-40B4-BE49-F238E27FC236}">
-                <a16:creationId xmlns="" xmlns:a16="http://schemas.microsoft.com/office/drawing/2014/main" id="{D1DF2925-B932-4B66-AD61-15FDBB98D77D}"/>
-              </a:ext>
-            </a:extLst>
-          </p:cNvPr>
-          <p:cNvPicPr>
-            <a:picLocks noChangeAspect="1" noChangeArrowheads="1"/>
-          </p:cNvPicPr>
-          <p:nvPr/>
-        </p:nvPicPr>
-        <p:blipFill>
-          <a:blip r:embed="rId8">
-            <a:extLst>
-              <a:ext uri="{28A0092B-C50C-407E-A947-70E740481C1C}">
-                <a14:useLocalDpi xmlns:a14="http://schemas.microsoft.com/office/drawing/2010/main" val="0"/>
-              </a:ext>
-            </a:extLst>
-          </a:blip>
-          <a:srcRect/>
-          <a:stretch>
-            <a:fillRect/>
-          </a:stretch>
-        </p:blipFill>
-        <p:spPr bwMode="auto">
-          <a:xfrm>
-            <a:off x="7985708" y="5298044"/>
-            <a:ext cx="1480817" cy="1480817"/>
-          </a:xfrm>
-          <a:prstGeom prst="rect">
-            <a:avLst/>
-          </a:prstGeom>
-          <a:noFill/>
-          <a:extLst>
-            <a:ext uri="{909E8E84-426E-40DD-AFC4-6F175D3DCCD1}">
-              <a14:hiddenFill xmlns:a14="http://schemas.microsoft.com/office/drawing/2010/main">
-                <a:solidFill>
-                  <a:srgbClr val="FFFFFF"/>
-                </a:solidFill>
-              </a14:hiddenFill>
-            </a:ext>
-          </a:extLst>
-        </p:spPr>
-      </p:pic>
-      <p:pic>
-        <p:nvPicPr>
           <p:cNvPr id="2" name="Imagem 1">
-            <a:hlinkClick r:id="rId9"/>
+            <a:hlinkClick r:id="rId8"/>
           </p:cNvPr>
           <p:cNvPicPr>
             <a:picLocks noChangeAspect="1"/>
@@ -3558,7 +3511,7 @@
           <p:nvPr/>
         </p:nvPicPr>
         <p:blipFill>
-          <a:blip r:embed="rId10">
+          <a:blip r:embed="rId9">
             <a:extLst>
               <a:ext uri="{28A0092B-C50C-407E-A947-70E740481C1C}">
                 <a14:useLocalDpi xmlns:a14="http://schemas.microsoft.com/office/drawing/2010/main" val="0"/>
@@ -5645,7 +5598,7 @@
         </p:nvSpPr>
         <p:spPr>
           <a:xfrm>
-            <a:off x="471191" y="1352882"/>
+            <a:off x="471191" y="1265798"/>
             <a:ext cx="4464496" cy="461665"/>
           </a:xfrm>
           <a:prstGeom prst="rect">
@@ -5703,7 +5656,7 @@
         </p:nvSpPr>
         <p:spPr>
           <a:xfrm>
-            <a:off x="481701" y="1789870"/>
+            <a:off x="481701" y="1659244"/>
             <a:ext cx="2221738" cy="400110"/>
           </a:xfrm>
           <a:prstGeom prst="rect">
@@ -5755,7 +5708,7 @@
       </p:sp>
       <p:pic>
         <p:nvPicPr>
-          <p:cNvPr id="1025" name="Picture 1"/>
+          <p:cNvPr id="1026" name="Picture 2"/>
           <p:cNvPicPr>
             <a:picLocks noChangeAspect="1" noChangeArrowheads="1"/>
           </p:cNvPicPr>
@@ -5776,8 +5729,8 @@
         </p:blipFill>
         <p:spPr bwMode="auto">
           <a:xfrm>
-            <a:off x="1944710" y="2189980"/>
-            <a:ext cx="8461420" cy="4545671"/>
+            <a:off x="1190171" y="2059354"/>
+            <a:ext cx="9826172" cy="4646245"/>
           </a:xfrm>
           <a:prstGeom prst="rect">
             <a:avLst/>
@@ -6116,7 +6069,7 @@
           <p:cNvPr id="7" name="Imagem 6" descr="Uma imagem contendo desenho, placar&#10;&#10;Descrição gerada automaticamente">
             <a:extLst>
               <a:ext uri="{FF2B5EF4-FFF2-40B4-BE49-F238E27FC236}">
-                <a16:creationId xmlns="" xmlns:a16="http://schemas.microsoft.com/office/drawing/2014/main" id="{5462C146-4B88-4A35-AA63-9E9A28866F15}"/>
+                <a16:creationId xmlns:a16="http://schemas.microsoft.com/office/drawing/2014/main" xmlns="" id="{5462C146-4B88-4A35-AA63-9E9A28866F15}"/>
               </a:ext>
             </a:extLst>
           </p:cNvPr>
@@ -6146,7 +6099,7 @@
           <p:cNvPr id="9" name="Imagem 8" descr="Uma imagem contendo desenho, placar&#10;&#10;Descrição gerada automaticamente">
             <a:extLst>
               <a:ext uri="{FF2B5EF4-FFF2-40B4-BE49-F238E27FC236}">
-                <a16:creationId xmlns="" xmlns:a16="http://schemas.microsoft.com/office/drawing/2014/main" id="{383672B7-0D5A-4F7C-8549-811C734F2BDA}"/>
+                <a16:creationId xmlns:a16="http://schemas.microsoft.com/office/drawing/2014/main" xmlns="" id="{383672B7-0D5A-4F7C-8549-811C734F2BDA}"/>
               </a:ext>
             </a:extLst>
           </p:cNvPr>
@@ -6176,7 +6129,7 @@
           <p:cNvPr id="11" name="Imagem 10" descr="Fundo preto com letras brancas&#10;&#10;Descrição gerada automaticamente">
             <a:extLst>
               <a:ext uri="{FF2B5EF4-FFF2-40B4-BE49-F238E27FC236}">
-                <a16:creationId xmlns="" xmlns:a16="http://schemas.microsoft.com/office/drawing/2014/main" id="{B422F4E8-4A25-4182-829E-F5396E3EFDA3}"/>
+                <a16:creationId xmlns:a16="http://schemas.microsoft.com/office/drawing/2014/main" xmlns="" id="{B422F4E8-4A25-4182-829E-F5396E3EFDA3}"/>
               </a:ext>
             </a:extLst>
           </p:cNvPr>
@@ -6206,7 +6159,7 @@
           <p:cNvPr id="13" name="Imagem 12">
             <a:extLst>
               <a:ext uri="{FF2B5EF4-FFF2-40B4-BE49-F238E27FC236}">
-                <a16:creationId xmlns="" xmlns:a16="http://schemas.microsoft.com/office/drawing/2014/main" id="{9F3864E0-D932-4C8C-BFBC-3FDBFAA17093}"/>
+                <a16:creationId xmlns:a16="http://schemas.microsoft.com/office/drawing/2014/main" xmlns="" id="{9F3864E0-D932-4C8C-BFBC-3FDBFAA17093}"/>
               </a:ext>
             </a:extLst>
           </p:cNvPr>
@@ -6236,7 +6189,7 @@
           <p:cNvPr id="15" name="Imagem 14" descr="Uma imagem contendo placar&#10;&#10;Descrição gerada automaticamente">
             <a:extLst>
               <a:ext uri="{FF2B5EF4-FFF2-40B4-BE49-F238E27FC236}">
-                <a16:creationId xmlns="" xmlns:a16="http://schemas.microsoft.com/office/drawing/2014/main" id="{9C738B4A-FCC1-4689-82C9-90FD65A5A8C0}"/>
+                <a16:creationId xmlns:a16="http://schemas.microsoft.com/office/drawing/2014/main" xmlns="" id="{9C738B4A-FCC1-4689-82C9-90FD65A5A8C0}"/>
               </a:ext>
             </a:extLst>
           </p:cNvPr>
@@ -6266,7 +6219,7 @@
           <p:cNvPr id="17" name="Imagem 16" descr="Uma imagem contendo relógio, desenho&#10;&#10;Descrição gerada automaticamente">
             <a:extLst>
               <a:ext uri="{FF2B5EF4-FFF2-40B4-BE49-F238E27FC236}">
-                <a16:creationId xmlns="" xmlns:a16="http://schemas.microsoft.com/office/drawing/2014/main" id="{E1BECF13-2A24-4B55-922A-9558B07B000B}"/>
+                <a16:creationId xmlns:a16="http://schemas.microsoft.com/office/drawing/2014/main" xmlns="" id="{E1BECF13-2A24-4B55-922A-9558B07B000B}"/>
               </a:ext>
             </a:extLst>
           </p:cNvPr>
@@ -6296,7 +6249,7 @@
           <p:cNvPr id="21" name="Imagem 20" descr="Uma imagem contendo comida&#10;&#10;Descrição gerada automaticamente">
             <a:extLst>
               <a:ext uri="{FF2B5EF4-FFF2-40B4-BE49-F238E27FC236}">
-                <a16:creationId xmlns="" xmlns:a16="http://schemas.microsoft.com/office/drawing/2014/main" id="{0A8A2A9C-BF66-4A7D-9646-729355A67F26}"/>
+                <a16:creationId xmlns:a16="http://schemas.microsoft.com/office/drawing/2014/main" xmlns="" id="{0A8A2A9C-BF66-4A7D-9646-729355A67F26}"/>
               </a:ext>
             </a:extLst>
           </p:cNvPr>
@@ -6687,8 +6640,8 @@
         </p:blipFill>
         <p:spPr>
           <a:xfrm>
-            <a:off x="2172325" y="2500700"/>
-            <a:ext cx="8171499" cy="4268900"/>
+            <a:off x="1509486" y="2500700"/>
+            <a:ext cx="9173027" cy="4268900"/>
           </a:xfrm>
           <a:prstGeom prst="rect">
             <a:avLst/>

--- a/Apresentação Projeto Odonto.pptx
+++ b/Apresentação Projeto Odonto.pptx
@@ -253,7 +253,7 @@
   </p:defaultTextStyle>
   <p:extLst>
     <p:ext uri="{EFAFB233-063F-42B5-8137-9DF3F51BA10A}">
-      <p15:sldGuideLst xmlns:p15="http://schemas.microsoft.com/office/powerpoint/2012/main" xmlns="">
+      <p15:sldGuideLst xmlns="" xmlns:p15="http://schemas.microsoft.com/office/powerpoint/2012/main">
         <p15:guide id="1" orient="horz" pos="2160">
           <p15:clr>
             <a:srgbClr val="A4A3A4"/>
@@ -3267,10 +3267,10 @@
       </p:sp>
       <p:pic>
         <p:nvPicPr>
-          <p:cNvPr id="2062" name="Picture 14" descr="Ver a imagem de origem">
+          <p:cNvPr id="2058" name="Picture 10" descr="Resultado de imagem para emotes lol png&quot;">
             <a:extLst>
               <a:ext uri="{FF2B5EF4-FFF2-40B4-BE49-F238E27FC236}">
-                <a16:creationId xmlns:a16="http://schemas.microsoft.com/office/drawing/2014/main" xmlns="" id="{8E247D57-469D-4523-9144-6287F579BE77}"/>
+                <a16:creationId xmlns="" xmlns:a16="http://schemas.microsoft.com/office/drawing/2014/main" id="{8A3D6FE6-F24B-4CB9-A68B-2B279376FEFC}"/>
               </a:ext>
             </a:extLst>
           </p:cNvPr>
@@ -3294,8 +3294,8 @@
         </p:blipFill>
         <p:spPr bwMode="auto">
           <a:xfrm>
-            <a:off x="5026856" y="5420718"/>
-            <a:ext cx="1334575" cy="1334575"/>
+            <a:off x="10041510" y="5420719"/>
+            <a:ext cx="1330882" cy="1330882"/>
           </a:xfrm>
           <a:prstGeom prst="rect">
             <a:avLst/>
@@ -3314,10 +3314,10 @@
       </p:pic>
       <p:pic>
         <p:nvPicPr>
-          <p:cNvPr id="2064" name="Picture 16" descr="Ver a imagem de origem">
+          <p:cNvPr id="2062" name="Picture 14" descr="Ver a imagem de origem">
             <a:extLst>
               <a:ext uri="{FF2B5EF4-FFF2-40B4-BE49-F238E27FC236}">
-                <a16:creationId xmlns:a16="http://schemas.microsoft.com/office/drawing/2014/main" xmlns="" id="{3257DB41-6900-4C37-8AF8-24BAA72A1A18}"/>
+                <a16:creationId xmlns="" xmlns:a16="http://schemas.microsoft.com/office/drawing/2014/main" id="{8E247D57-469D-4523-9144-6287F579BE77}"/>
               </a:ext>
             </a:extLst>
           </p:cNvPr>
@@ -3341,8 +3341,8 @@
         </p:blipFill>
         <p:spPr bwMode="auto">
           <a:xfrm>
-            <a:off x="6911096" y="5404180"/>
-            <a:ext cx="1399824" cy="1399824"/>
+            <a:off x="4533380" y="5420718"/>
+            <a:ext cx="1334575" cy="1334575"/>
           </a:xfrm>
           <a:prstGeom prst="rect">
             <a:avLst/>
@@ -3361,10 +3361,10 @@
       </p:pic>
       <p:pic>
         <p:nvPicPr>
-          <p:cNvPr id="2066" name="Picture 18" descr="Ver a imagem de origem">
+          <p:cNvPr id="2064" name="Picture 16" descr="Ver a imagem de origem">
             <a:extLst>
               <a:ext uri="{FF2B5EF4-FFF2-40B4-BE49-F238E27FC236}">
-                <a16:creationId xmlns:a16="http://schemas.microsoft.com/office/drawing/2014/main" xmlns="" id="{65E8DFA1-D04E-454E-9E10-F30C1662B202}"/>
+                <a16:creationId xmlns="" xmlns:a16="http://schemas.microsoft.com/office/drawing/2014/main" id="{3257DB41-6900-4C37-8AF8-24BAA72A1A18}"/>
               </a:ext>
             </a:extLst>
           </p:cNvPr>
@@ -3388,8 +3388,8 @@
         </p:blipFill>
         <p:spPr bwMode="auto">
           <a:xfrm>
-            <a:off x="1024157" y="5341586"/>
-            <a:ext cx="1374969" cy="1374969"/>
+            <a:off x="6112826" y="5404180"/>
+            <a:ext cx="1399824" cy="1399824"/>
           </a:xfrm>
           <a:prstGeom prst="rect">
             <a:avLst/>
@@ -3408,10 +3408,10 @@
       </p:pic>
       <p:pic>
         <p:nvPicPr>
-          <p:cNvPr id="2068" name="Picture 20" descr="Ver a imagem de origem">
+          <p:cNvPr id="2066" name="Picture 18" descr="Ver a imagem de origem">
             <a:extLst>
               <a:ext uri="{FF2B5EF4-FFF2-40B4-BE49-F238E27FC236}">
-                <a16:creationId xmlns:a16="http://schemas.microsoft.com/office/drawing/2014/main" xmlns="" id="{C0F5CE3D-99D2-4188-B28C-B433F9333DD1}"/>
+                <a16:creationId xmlns="" xmlns:a16="http://schemas.microsoft.com/office/drawing/2014/main" id="{65E8DFA1-D04E-454E-9E10-F30C1662B202}"/>
               </a:ext>
             </a:extLst>
           </p:cNvPr>
@@ -3435,8 +3435,8 @@
         </p:blipFill>
         <p:spPr bwMode="auto">
           <a:xfrm>
-            <a:off x="3132114" y="5401476"/>
-            <a:ext cx="1329267" cy="1329267"/>
+            <a:off x="704849" y="5341586"/>
+            <a:ext cx="1374969" cy="1374969"/>
           </a:xfrm>
           <a:prstGeom prst="rect">
             <a:avLst/>
@@ -3455,10 +3455,10 @@
       </p:pic>
       <p:pic>
         <p:nvPicPr>
-          <p:cNvPr id="2070" name="Picture 22" descr="Ver a imagem de origem">
+          <p:cNvPr id="2068" name="Picture 20" descr="Ver a imagem de origem">
             <a:extLst>
               <a:ext uri="{FF2B5EF4-FFF2-40B4-BE49-F238E27FC236}">
-                <a16:creationId xmlns:a16="http://schemas.microsoft.com/office/drawing/2014/main" xmlns="" id="{D1DF2925-B932-4B66-AD61-15FDBB98D77D}"/>
+                <a16:creationId xmlns="" xmlns:a16="http://schemas.microsoft.com/office/drawing/2014/main" id="{C0F5CE3D-99D2-4188-B28C-B433F9333DD1}"/>
               </a:ext>
             </a:extLst>
           </p:cNvPr>
@@ -3482,8 +3482,8 @@
         </p:blipFill>
         <p:spPr bwMode="auto">
           <a:xfrm>
-            <a:off x="8958146" y="5298044"/>
-            <a:ext cx="1480817" cy="1480817"/>
+            <a:off x="2696694" y="5401476"/>
+            <a:ext cx="1329267" cy="1329267"/>
           </a:xfrm>
           <a:prstGeom prst="rect">
             <a:avLst/>
@@ -3502,8 +3502,55 @@
       </p:pic>
       <p:pic>
         <p:nvPicPr>
+          <p:cNvPr id="2070" name="Picture 22" descr="Ver a imagem de origem">
+            <a:extLst>
+              <a:ext uri="{FF2B5EF4-FFF2-40B4-BE49-F238E27FC236}">
+                <a16:creationId xmlns="" xmlns:a16="http://schemas.microsoft.com/office/drawing/2014/main" id="{D1DF2925-B932-4B66-AD61-15FDBB98D77D}"/>
+              </a:ext>
+            </a:extLst>
+          </p:cNvPr>
+          <p:cNvPicPr>
+            <a:picLocks noChangeAspect="1" noChangeArrowheads="1"/>
+          </p:cNvPicPr>
+          <p:nvPr/>
+        </p:nvPicPr>
+        <p:blipFill>
+          <a:blip r:embed="rId8">
+            <a:extLst>
+              <a:ext uri="{28A0092B-C50C-407E-A947-70E740481C1C}">
+                <a14:useLocalDpi xmlns:a14="http://schemas.microsoft.com/office/drawing/2010/main" val="0"/>
+              </a:ext>
+            </a:extLst>
+          </a:blip>
+          <a:srcRect/>
+          <a:stretch>
+            <a:fillRect/>
+          </a:stretch>
+        </p:blipFill>
+        <p:spPr bwMode="auto">
+          <a:xfrm>
+            <a:off x="7985708" y="5298044"/>
+            <a:ext cx="1480817" cy="1480817"/>
+          </a:xfrm>
+          <a:prstGeom prst="rect">
+            <a:avLst/>
+          </a:prstGeom>
+          <a:noFill/>
+          <a:extLst>
+            <a:ext uri="{909E8E84-426E-40DD-AFC4-6F175D3DCCD1}">
+              <a14:hiddenFill xmlns:a14="http://schemas.microsoft.com/office/drawing/2010/main">
+                <a:solidFill>
+                  <a:srgbClr val="FFFFFF"/>
+                </a:solidFill>
+              </a14:hiddenFill>
+            </a:ext>
+          </a:extLst>
+        </p:spPr>
+      </p:pic>
+      <p:pic>
+        <p:nvPicPr>
           <p:cNvPr id="2" name="Imagem 1">
-            <a:hlinkClick r:id="rId8"/>
+            <a:hlinkClick r:id="rId9"/>
           </p:cNvPr>
           <p:cNvPicPr>
             <a:picLocks noChangeAspect="1"/>
@@ -3511,7 +3558,7 @@
           <p:nvPr/>
         </p:nvPicPr>
         <p:blipFill>
-          <a:blip r:embed="rId9">
+          <a:blip r:embed="rId10">
             <a:extLst>
               <a:ext uri="{28A0092B-C50C-407E-A947-70E740481C1C}">
                 <a14:useLocalDpi xmlns:a14="http://schemas.microsoft.com/office/drawing/2010/main" val="0"/>
@@ -5598,7 +5645,7 @@
         </p:nvSpPr>
         <p:spPr>
           <a:xfrm>
-            <a:off x="471191" y="1265798"/>
+            <a:off x="471191" y="1352882"/>
             <a:ext cx="4464496" cy="461665"/>
           </a:xfrm>
           <a:prstGeom prst="rect">
@@ -5656,7 +5703,7 @@
         </p:nvSpPr>
         <p:spPr>
           <a:xfrm>
-            <a:off x="481701" y="1659244"/>
+            <a:off x="481701" y="1789870"/>
             <a:ext cx="2221738" cy="400110"/>
           </a:xfrm>
           <a:prstGeom prst="rect">
@@ -5708,7 +5755,7 @@
       </p:sp>
       <p:pic>
         <p:nvPicPr>
-          <p:cNvPr id="1026" name="Picture 2"/>
+          <p:cNvPr id="1025" name="Picture 1"/>
           <p:cNvPicPr>
             <a:picLocks noChangeAspect="1" noChangeArrowheads="1"/>
           </p:cNvPicPr>
@@ -5729,8 +5776,8 @@
         </p:blipFill>
         <p:spPr bwMode="auto">
           <a:xfrm>
-            <a:off x="1190171" y="2059354"/>
-            <a:ext cx="9826172" cy="4646245"/>
+            <a:off x="1944710" y="2189980"/>
+            <a:ext cx="8461420" cy="4545671"/>
           </a:xfrm>
           <a:prstGeom prst="rect">
             <a:avLst/>
@@ -6069,7 +6116,7 @@
           <p:cNvPr id="7" name="Imagem 6" descr="Uma imagem contendo desenho, placar&#10;&#10;Descrição gerada automaticamente">
             <a:extLst>
               <a:ext uri="{FF2B5EF4-FFF2-40B4-BE49-F238E27FC236}">
-                <a16:creationId xmlns:a16="http://schemas.microsoft.com/office/drawing/2014/main" xmlns="" id="{5462C146-4B88-4A35-AA63-9E9A28866F15}"/>
+                <a16:creationId xmlns="" xmlns:a16="http://schemas.microsoft.com/office/drawing/2014/main" id="{5462C146-4B88-4A35-AA63-9E9A28866F15}"/>
               </a:ext>
             </a:extLst>
           </p:cNvPr>
@@ -6099,7 +6146,7 @@
           <p:cNvPr id="9" name="Imagem 8" descr="Uma imagem contendo desenho, placar&#10;&#10;Descrição gerada automaticamente">
             <a:extLst>
               <a:ext uri="{FF2B5EF4-FFF2-40B4-BE49-F238E27FC236}">
-                <a16:creationId xmlns:a16="http://schemas.microsoft.com/office/drawing/2014/main" xmlns="" id="{383672B7-0D5A-4F7C-8549-811C734F2BDA}"/>
+                <a16:creationId xmlns="" xmlns:a16="http://schemas.microsoft.com/office/drawing/2014/main" id="{383672B7-0D5A-4F7C-8549-811C734F2BDA}"/>
               </a:ext>
             </a:extLst>
           </p:cNvPr>
@@ -6129,7 +6176,7 @@
           <p:cNvPr id="11" name="Imagem 10" descr="Fundo preto com letras brancas&#10;&#10;Descrição gerada automaticamente">
             <a:extLst>
               <a:ext uri="{FF2B5EF4-FFF2-40B4-BE49-F238E27FC236}">
-                <a16:creationId xmlns:a16="http://schemas.microsoft.com/office/drawing/2014/main" xmlns="" id="{B422F4E8-4A25-4182-829E-F5396E3EFDA3}"/>
+                <a16:creationId xmlns="" xmlns:a16="http://schemas.microsoft.com/office/drawing/2014/main" id="{B422F4E8-4A25-4182-829E-F5396E3EFDA3}"/>
               </a:ext>
             </a:extLst>
           </p:cNvPr>
@@ -6159,7 +6206,7 @@
           <p:cNvPr id="13" name="Imagem 12">
             <a:extLst>
               <a:ext uri="{FF2B5EF4-FFF2-40B4-BE49-F238E27FC236}">
-                <a16:creationId xmlns:a16="http://schemas.microsoft.com/office/drawing/2014/main" xmlns="" id="{9F3864E0-D932-4C8C-BFBC-3FDBFAA17093}"/>
+                <a16:creationId xmlns="" xmlns:a16="http://schemas.microsoft.com/office/drawing/2014/main" id="{9F3864E0-D932-4C8C-BFBC-3FDBFAA17093}"/>
               </a:ext>
             </a:extLst>
           </p:cNvPr>
@@ -6189,7 +6236,7 @@
           <p:cNvPr id="15" name="Imagem 14" descr="Uma imagem contendo placar&#10;&#10;Descrição gerada automaticamente">
             <a:extLst>
               <a:ext uri="{FF2B5EF4-FFF2-40B4-BE49-F238E27FC236}">
-                <a16:creationId xmlns:a16="http://schemas.microsoft.com/office/drawing/2014/main" xmlns="" id="{9C738B4A-FCC1-4689-82C9-90FD65A5A8C0}"/>
+                <a16:creationId xmlns="" xmlns:a16="http://schemas.microsoft.com/office/drawing/2014/main" id="{9C738B4A-FCC1-4689-82C9-90FD65A5A8C0}"/>
               </a:ext>
             </a:extLst>
           </p:cNvPr>
@@ -6219,7 +6266,7 @@
           <p:cNvPr id="17" name="Imagem 16" descr="Uma imagem contendo relógio, desenho&#10;&#10;Descrição gerada automaticamente">
             <a:extLst>
               <a:ext uri="{FF2B5EF4-FFF2-40B4-BE49-F238E27FC236}">
-                <a16:creationId xmlns:a16="http://schemas.microsoft.com/office/drawing/2014/main" xmlns="" id="{E1BECF13-2A24-4B55-922A-9558B07B000B}"/>
+                <a16:creationId xmlns="" xmlns:a16="http://schemas.microsoft.com/office/drawing/2014/main" id="{E1BECF13-2A24-4B55-922A-9558B07B000B}"/>
               </a:ext>
             </a:extLst>
           </p:cNvPr>
@@ -6249,7 +6296,7 @@
           <p:cNvPr id="21" name="Imagem 20" descr="Uma imagem contendo comida&#10;&#10;Descrição gerada automaticamente">
             <a:extLst>
               <a:ext uri="{FF2B5EF4-FFF2-40B4-BE49-F238E27FC236}">
-                <a16:creationId xmlns:a16="http://schemas.microsoft.com/office/drawing/2014/main" xmlns="" id="{0A8A2A9C-BF66-4A7D-9646-729355A67F26}"/>
+                <a16:creationId xmlns="" xmlns:a16="http://schemas.microsoft.com/office/drawing/2014/main" id="{0A8A2A9C-BF66-4A7D-9646-729355A67F26}"/>
               </a:ext>
             </a:extLst>
           </p:cNvPr>
@@ -6640,8 +6687,8 @@
         </p:blipFill>
         <p:spPr>
           <a:xfrm>
-            <a:off x="1509486" y="2500700"/>
-            <a:ext cx="9173027" cy="4268900"/>
+            <a:off x="2172325" y="2500700"/>
+            <a:ext cx="8171499" cy="4268900"/>
           </a:xfrm>
           <a:prstGeom prst="rect">
             <a:avLst/>
